--- a/WEEK4/第四周第一天[动画基础、动画库、轮播图].pptx
+++ b/WEEK4/第四周第一天[动画基础、动画库、轮播图].pptx
@@ -3894,14 +3894,7 @@
                 <a:latin typeface="仿宋" panose="02010609060101010101" charset="-122"/>
                 <a:ea typeface="仿宋" panose="02010609060101010101" charset="-122"/>
               </a:rPr>
-              <a:t>定时器原理和</a:t>
-            </a:r>
-            <a:r>
-              <a:rPr lang="zh-CN" altLang="en-US">
-                <a:latin typeface="仿宋" panose="02010609060101010101" charset="-122"/>
-                <a:ea typeface="仿宋" panose="02010609060101010101" charset="-122"/>
-              </a:rPr>
-              <a:t>区别</a:t>
+              <a:t>定时器原理和区别</a:t>
             </a:r>
             <a:endParaRPr lang="zh-CN" altLang="en-US">
               <a:latin typeface="仿宋" panose="02010609060101010101" charset="-122"/>
@@ -5681,14 +5674,7 @@
                 <a:latin typeface="仿宋" panose="02010609060101010101" charset="-122"/>
                 <a:ea typeface="仿宋" panose="02010609060101010101" charset="-122"/>
               </a:rPr>
-              <a:t>渐隐渐现</a:t>
-            </a:r>
-            <a:r>
-              <a:rPr lang="zh-CN" altLang="en-US">
-                <a:latin typeface="仿宋" panose="02010609060101010101" charset="-122"/>
-                <a:ea typeface="仿宋" panose="02010609060101010101" charset="-122"/>
-              </a:rPr>
-              <a:t>版轮播图</a:t>
+              <a:t>渐隐渐现版轮播图</a:t>
             </a:r>
             <a:endParaRPr lang="zh-CN" altLang="en-US">
               <a:latin typeface="仿宋" panose="02010609060101010101" charset="-122"/>
